--- a/snow_chains.pptx
+++ b/snow_chains.pptx
@@ -258,7 +258,7 @@
           <a:lstStyle/>
           <a:p>
             <a:fld id="{16286276-9013-2A43-82D1-BA4685C95117}" type="datetimeFigureOut">
-              <a:t>1/17/26</a:t>
+              <a:t>1/31/26</a:t>
             </a:fld>
             <a:endParaRPr lang="en-US"/>
           </a:p>
@@ -454,7 +454,7 @@
           <a:lstStyle/>
           <a:p>
             <a:fld id="{16286276-9013-2A43-82D1-BA4685C95117}" type="datetimeFigureOut">
-              <a:t>1/17/26</a:t>
+              <a:t>1/31/26</a:t>
             </a:fld>
             <a:endParaRPr lang="en-US"/>
           </a:p>
@@ -660,7 +660,7 @@
           <a:lstStyle/>
           <a:p>
             <a:fld id="{16286276-9013-2A43-82D1-BA4685C95117}" type="datetimeFigureOut">
-              <a:t>1/17/26</a:t>
+              <a:t>1/31/26</a:t>
             </a:fld>
             <a:endParaRPr lang="en-US"/>
           </a:p>
@@ -856,7 +856,7 @@
           <a:lstStyle/>
           <a:p>
             <a:fld id="{16286276-9013-2A43-82D1-BA4685C95117}" type="datetimeFigureOut">
-              <a:t>1/17/26</a:t>
+              <a:t>1/31/26</a:t>
             </a:fld>
             <a:endParaRPr lang="en-US"/>
           </a:p>
@@ -1129,7 +1129,7 @@
           <a:lstStyle/>
           <a:p>
             <a:fld id="{16286276-9013-2A43-82D1-BA4685C95117}" type="datetimeFigureOut">
-              <a:t>1/17/26</a:t>
+              <a:t>1/31/26</a:t>
             </a:fld>
             <a:endParaRPr lang="en-US"/>
           </a:p>
@@ -1392,7 +1392,7 @@
           <a:lstStyle/>
           <a:p>
             <a:fld id="{16286276-9013-2A43-82D1-BA4685C95117}" type="datetimeFigureOut">
-              <a:t>1/17/26</a:t>
+              <a:t>1/31/26</a:t>
             </a:fld>
             <a:endParaRPr lang="en-US"/>
           </a:p>
@@ -1802,7 +1802,7 @@
           <a:lstStyle/>
           <a:p>
             <a:fld id="{16286276-9013-2A43-82D1-BA4685C95117}" type="datetimeFigureOut">
-              <a:t>1/17/26</a:t>
+              <a:t>1/31/26</a:t>
             </a:fld>
             <a:endParaRPr lang="en-US"/>
           </a:p>
@@ -1941,7 +1941,7 @@
           <a:lstStyle/>
           <a:p>
             <a:fld id="{16286276-9013-2A43-82D1-BA4685C95117}" type="datetimeFigureOut">
-              <a:t>1/17/26</a:t>
+              <a:t>1/31/26</a:t>
             </a:fld>
             <a:endParaRPr lang="en-US"/>
           </a:p>
@@ -2052,7 +2052,7 @@
           <a:lstStyle/>
           <a:p>
             <a:fld id="{16286276-9013-2A43-82D1-BA4685C95117}" type="datetimeFigureOut">
-              <a:t>1/17/26</a:t>
+              <a:t>1/31/26</a:t>
             </a:fld>
             <a:endParaRPr lang="en-US"/>
           </a:p>
@@ -2361,7 +2361,7 @@
           <a:lstStyle/>
           <a:p>
             <a:fld id="{16286276-9013-2A43-82D1-BA4685C95117}" type="datetimeFigureOut">
-              <a:t>1/17/26</a:t>
+              <a:t>1/31/26</a:t>
             </a:fld>
             <a:endParaRPr lang="en-US"/>
           </a:p>
@@ -2647,7 +2647,7 @@
           <a:lstStyle/>
           <a:p>
             <a:fld id="{16286276-9013-2A43-82D1-BA4685C95117}" type="datetimeFigureOut">
-              <a:t>1/17/26</a:t>
+              <a:t>1/31/26</a:t>
             </a:fld>
             <a:endParaRPr lang="en-US"/>
           </a:p>
@@ -2886,7 +2886,7 @@
           </a:lstStyle>
           <a:p>
             <a:fld id="{16286276-9013-2A43-82D1-BA4685C95117}" type="datetimeFigureOut">
-              <a:t>1/17/26</a:t>
+              <a:t>1/31/26</a:t>
             </a:fld>
             <a:endParaRPr lang="en-US"/>
           </a:p>
@@ -3493,21 +3493,216 @@
           <p:nvPr/>
         </p:nvPicPr>
         <p:blipFill>
-          <a:blip r:embed="rId2"/>
+          <a:blip r:embed="rId2" cstate="email">
+            <a:extLst>
+              <a:ext uri="{28A0092B-C50C-407E-A947-70E740481C1C}">
+                <a14:useLocalDpi xmlns:a14="http://schemas.microsoft.com/office/drawing/2010/main"/>
+              </a:ext>
+            </a:extLst>
+          </a:blip>
           <a:stretch>
             <a:fillRect/>
           </a:stretch>
         </p:blipFill>
         <p:spPr>
           <a:xfrm>
-            <a:off x="7165687" y="1428519"/>
-            <a:ext cx="4178300" cy="3568700"/>
+            <a:off x="7664335" y="331481"/>
+            <a:ext cx="2492117" cy="2128525"/>
           </a:xfrm>
           <a:prstGeom prst="rect">
             <a:avLst/>
           </a:prstGeom>
         </p:spPr>
       </p:pic>
+      <p:sp>
+        <p:nvSpPr>
+          <p:cNvPr id="3" name="TextBox 2">
+            <a:extLst>
+              <a:ext uri="{FF2B5EF4-FFF2-40B4-BE49-F238E27FC236}">
+                <a16:creationId xmlns:a16="http://schemas.microsoft.com/office/drawing/2014/main" id="{CA8D0C18-134C-635A-81E7-F5E4AD367C6C}"/>
+              </a:ext>
+            </a:extLst>
+          </p:cNvPr>
+          <p:cNvSpPr txBox="1"/>
+          <p:nvPr/>
+        </p:nvSpPr>
+        <p:spPr>
+          <a:xfrm>
+            <a:off x="260937" y="5665498"/>
+            <a:ext cx="3679295" cy="954107"/>
+          </a:xfrm>
+          <a:prstGeom prst="rect">
+            <a:avLst/>
+          </a:prstGeom>
+          <a:noFill/>
+        </p:spPr>
+        <p:txBody>
+          <a:bodyPr wrap="square" rtlCol="0">
+            <a:spAutoFit/>
+          </a:bodyPr>
+          <a:lstStyle/>
+          <a:p>
+            <a:r>
+              <a:rPr lang="en-US" sz="1400" b="1" dirty="0">
+                <a:solidFill>
+                  <a:srgbClr val="FF0000"/>
+                </a:solidFill>
+                <a:latin typeface="Roboto" panose="02000000000000000000" pitchFamily="2" charset="0"/>
+              </a:rPr>
+              <a:t>Konig XG-12 Pro is a solid choice.</a:t>
+            </a:r>
+          </a:p>
+          <a:p>
+            <a:r>
+              <a:rPr lang="en-US" sz="1400" dirty="0">
+                <a:solidFill>
+                  <a:srgbClr val="131313"/>
+                </a:solidFill>
+                <a:latin typeface="Roboto" panose="02000000000000000000" pitchFamily="2" charset="0"/>
+              </a:rPr>
+              <a:t>I just needed to learn how to put it on and take it off. Once you know it, it is actually  easier to handle than "Easy-FIT"</a:t>
+            </a:r>
+          </a:p>
+        </p:txBody>
+      </p:sp>
+      <p:pic>
+        <p:nvPicPr>
+          <p:cNvPr id="6" name="Picture 5">
+            <a:extLst>
+              <a:ext uri="{FF2B5EF4-FFF2-40B4-BE49-F238E27FC236}">
+                <a16:creationId xmlns:a16="http://schemas.microsoft.com/office/drawing/2014/main" id="{B0880AC8-2186-19EC-B56A-13E7963CB16B}"/>
+              </a:ext>
+            </a:extLst>
+          </p:cNvPr>
+          <p:cNvPicPr>
+            <a:picLocks noChangeAspect="1"/>
+          </p:cNvPicPr>
+          <p:nvPr/>
+        </p:nvPicPr>
+        <p:blipFill>
+          <a:blip r:embed="rId3" cstate="email">
+            <a:extLst>
+              <a:ext uri="{28A0092B-C50C-407E-A947-70E740481C1C}">
+                <a14:useLocalDpi xmlns:a14="http://schemas.microsoft.com/office/drawing/2010/main"/>
+              </a:ext>
+            </a:extLst>
+          </a:blip>
+          <a:stretch>
+            <a:fillRect/>
+          </a:stretch>
+        </p:blipFill>
+        <p:spPr>
+          <a:xfrm>
+            <a:off x="260938" y="3511063"/>
+            <a:ext cx="1886296" cy="2128525"/>
+          </a:xfrm>
+          <a:prstGeom prst="rect">
+            <a:avLst/>
+          </a:prstGeom>
+        </p:spPr>
+      </p:pic>
+      <p:sp>
+        <p:nvSpPr>
+          <p:cNvPr id="7" name="TextBox 6">
+            <a:extLst>
+              <a:ext uri="{FF2B5EF4-FFF2-40B4-BE49-F238E27FC236}">
+                <a16:creationId xmlns:a16="http://schemas.microsoft.com/office/drawing/2014/main" id="{A441059B-D0FC-8586-B27B-008F343A08FF}"/>
+              </a:ext>
+            </a:extLst>
+          </p:cNvPr>
+          <p:cNvSpPr txBox="1"/>
+          <p:nvPr/>
+        </p:nvSpPr>
+        <p:spPr>
+          <a:xfrm>
+            <a:off x="7664335" y="2474893"/>
+            <a:ext cx="3780749" cy="1384995"/>
+          </a:xfrm>
+          <a:prstGeom prst="rect">
+            <a:avLst/>
+          </a:prstGeom>
+          <a:noFill/>
+        </p:spPr>
+        <p:txBody>
+          <a:bodyPr wrap="square" rtlCol="0">
+            <a:spAutoFit/>
+          </a:bodyPr>
+          <a:lstStyle/>
+          <a:p>
+            <a:r>
+              <a:rPr lang="en-US" sz="1400" b="1" dirty="0">
+                <a:solidFill>
+                  <a:srgbClr val="FF0000"/>
+                </a:solidFill>
+                <a:latin typeface="Roboto" panose="02000000000000000000" pitchFamily="2" charset="0"/>
+              </a:rPr>
+              <a:t>KÖNIG Easy-FIT is terrible.</a:t>
+            </a:r>
+          </a:p>
+          <a:p>
+            <a:r>
+              <a:rPr lang="en-US" sz="1400" dirty="0">
+                <a:solidFill>
+                  <a:srgbClr val="131313"/>
+                </a:solidFill>
+                <a:latin typeface="Roboto" panose="02000000000000000000" pitchFamily="2" charset="0"/>
+              </a:rPr>
+              <a:t>It completely broke.</a:t>
+            </a:r>
+          </a:p>
+          <a:p>
+            <a:r>
+              <a:rPr lang="en-US" sz="1400" dirty="0">
+                <a:solidFill>
+                  <a:srgbClr val="131313"/>
+                </a:solidFill>
+                <a:latin typeface="Roboto" panose="02000000000000000000" pitchFamily="2" charset="0"/>
+              </a:rPr>
+              <a:t>It was easy to put on, </a:t>
+            </a:r>
+          </a:p>
+          <a:p>
+            <a:r>
+              <a:rPr lang="en-US" sz="1400" dirty="0">
+                <a:solidFill>
+                  <a:srgbClr val="131313"/>
+                </a:solidFill>
+                <a:latin typeface="Roboto" panose="02000000000000000000" pitchFamily="2" charset="0"/>
+              </a:rPr>
+              <a:t>but very difficult to take off.</a:t>
+            </a:r>
+          </a:p>
+          <a:p>
+            <a:r>
+              <a:rPr lang="en-US" sz="1400" dirty="0">
+                <a:solidFill>
+                  <a:srgbClr val="131313"/>
+                </a:solidFill>
+                <a:latin typeface="Roboto" panose="02000000000000000000" pitchFamily="2" charset="0"/>
+              </a:rPr>
+              <a:t>And it completely broke (both sides) in </a:t>
+            </a:r>
+            <a:r>
+              <a:rPr lang="en-US" sz="1400" dirty="0" err="1">
+                <a:solidFill>
+                  <a:srgbClr val="131313"/>
+                </a:solidFill>
+                <a:latin typeface="Roboto" panose="02000000000000000000" pitchFamily="2" charset="0"/>
+              </a:rPr>
+              <a:t>jsut</a:t>
+            </a:r>
+            <a:r>
+              <a:rPr lang="en-US" sz="1400" dirty="0">
+                <a:solidFill>
+                  <a:srgbClr val="131313"/>
+                </a:solidFill>
+                <a:latin typeface="Roboto" panose="02000000000000000000" pitchFamily="2" charset="0"/>
+              </a:rPr>
+              <a:t> few weeks.</a:t>
+            </a:r>
+          </a:p>
+        </p:txBody>
+      </p:sp>
     </p:spTree>
     <p:extLst>
       <p:ext uri="{BB962C8B-B14F-4D97-AF65-F5344CB8AC3E}">
